--- a/individualProject.pptx
+++ b/individualProject.pptx
@@ -3327,6 +3327,14 @@
 <file path=ppt/slides/slide1.xml><?xml version="1.0" encoding="utf-8"?>
 <p:sld xmlns:a="http://schemas.openxmlformats.org/drawingml/2006/main" xmlns:r="http://schemas.openxmlformats.org/officeDocument/2006/relationships" xmlns:p="http://schemas.openxmlformats.org/presentationml/2006/main">
   <p:cSld>
+    <p:bg>
+      <p:bgPr>
+        <a:solidFill>
+          <a:srgbClr val="000000"/>
+        </a:solidFill>
+        <a:effectLst/>
+      </p:bgPr>
+    </p:bg>
     <p:spTree>
       <p:nvGrpSpPr>
         <p:cNvPr id="1" name=""/>
@@ -3343,6 +3351,124 @@
       </p:grpSpPr>
       <p:sp>
         <p:nvSpPr>
+          <p:cNvPr id="1031" name="Rectangle 1030">
+            <a:extLst>
+              <a:ext uri="{FF2B5EF4-FFF2-40B4-BE49-F238E27FC236}">
+                <a16:creationId xmlns:a16="http://schemas.microsoft.com/office/drawing/2014/main" id="{71B2258F-86CA-4D4D-8270-BC05FCDEBFB3}"/>
+              </a:ext>
+              <a:ext uri="{C183D7F6-B498-43B3-948B-1728B52AA6E4}">
+                <adec:decorative xmlns:adec="http://schemas.microsoft.com/office/drawing/2017/decorative" val="1"/>
+              </a:ext>
+            </a:extLst>
+          </p:cNvPr>
+          <p:cNvSpPr>
+            <a:spLocks noGrp="1" noRot="1" noChangeAspect="1" noMove="1" noResize="1" noEditPoints="1" noAdjustHandles="1" noChangeArrowheads="1" noChangeShapeType="1" noTextEdit="1"/>
+          </p:cNvSpPr>
+          <p:nvPr>
+            <p:extLst>
+              <p:ext uri="{386F3935-93C4-4BCD-93E2-E3B085C9AB24}">
+                <p16:designElem xmlns:p16="http://schemas.microsoft.com/office/powerpoint/2015/main" val="1"/>
+              </p:ext>
+            </p:extLst>
+          </p:nvPr>
+        </p:nvSpPr>
+        <p:spPr>
+          <a:xfrm>
+            <a:off x="0" y="0"/>
+            <a:ext cx="12192000" cy="6857999"/>
+          </a:xfrm>
+          <a:prstGeom prst="rect">
+            <a:avLst/>
+          </a:prstGeom>
+          <a:solidFill>
+            <a:srgbClr val="000000"/>
+          </a:solidFill>
+          <a:ln>
+            <a:noFill/>
+          </a:ln>
+        </p:spPr>
+        <p:style>
+          <a:lnRef idx="2">
+            <a:schemeClr val="accent1">
+              <a:shade val="50000"/>
+            </a:schemeClr>
+          </a:lnRef>
+          <a:fillRef idx="1">
+            <a:schemeClr val="accent1"/>
+          </a:fillRef>
+          <a:effectRef idx="0">
+            <a:schemeClr val="accent1"/>
+          </a:effectRef>
+          <a:fontRef idx="minor">
+            <a:schemeClr val="lt1"/>
+          </a:fontRef>
+        </p:style>
+        <p:txBody>
+          <a:bodyPr rtlCol="0" anchor="ctr"/>
+          <a:lstStyle/>
+          <a:p>
+            <a:pPr algn="ctr"/>
+            <a:endParaRPr lang="en-US"/>
+          </a:p>
+        </p:txBody>
+      </p:sp>
+      <p:pic>
+        <p:nvPicPr>
+          <p:cNvPr id="1026" name="Picture 2" descr="Как подключить 2 монитора к компьютеру или ноутбуку | ROZETKA Journal">
+            <a:extLst>
+              <a:ext uri="{FF2B5EF4-FFF2-40B4-BE49-F238E27FC236}">
+                <a16:creationId xmlns:a16="http://schemas.microsoft.com/office/drawing/2014/main" id="{9BEB6A68-1FDC-F6A6-9CA2-265315C62603}"/>
+              </a:ext>
+            </a:extLst>
+          </p:cNvPr>
+          <p:cNvPicPr>
+            <a:picLocks noChangeAspect="1" noChangeArrowheads="1"/>
+          </p:cNvPicPr>
+          <p:nvPr/>
+        </p:nvPicPr>
+        <p:blipFill rotWithShape="1">
+          <a:blip r:embed="rId2">
+            <a:alphaModFix amt="50000"/>
+            <a:extLst>
+              <a:ext uri="{BEBA8EAE-BF5A-486C-A8C5-ECC9F3942E4B}">
+                <a14:imgProps xmlns:a14="http://schemas.microsoft.com/office/drawing/2010/main">
+                  <a14:imgLayer r:embed="rId3">
+                    <a14:imgEffect>
+                      <a14:sharpenSoften amount="-48000"/>
+                    </a14:imgEffect>
+                  </a14:imgLayer>
+                </a14:imgProps>
+              </a:ext>
+              <a:ext uri="{28A0092B-C50C-407E-A947-70E740481C1C}">
+                <a14:useLocalDpi xmlns:a14="http://schemas.microsoft.com/office/drawing/2010/main" val="0"/>
+              </a:ext>
+            </a:extLst>
+          </a:blip>
+          <a:srcRect t="13127"/>
+          <a:stretch/>
+        </p:blipFill>
+        <p:spPr bwMode="auto">
+          <a:xfrm>
+            <a:off x="20" y="1"/>
+            <a:ext cx="12191980" cy="6857999"/>
+          </a:xfrm>
+          <a:prstGeom prst="rect">
+            <a:avLst/>
+          </a:prstGeom>
+          <a:noFill/>
+          <a:extLst>
+            <a:ext uri="{909E8E84-426E-40DD-AFC4-6F175D3DCCD1}">
+              <a14:hiddenFill xmlns:a14="http://schemas.microsoft.com/office/drawing/2010/main">
+                <a:solidFill>
+                  <a:srgbClr val="FFFFFF"/>
+                </a:solidFill>
+              </a14:hiddenFill>
+            </a:ext>
+          </a:extLst>
+        </p:spPr>
+      </p:pic>
+      <p:sp>
+        <p:nvSpPr>
           <p:cNvPr id="2" name="Заголовок 1">
             <a:extLst>
               <a:ext uri="{FF2B5EF4-FFF2-40B4-BE49-F238E27FC236}">
@@ -3357,13 +3483,25 @@
             <p:ph type="ctrTitle"/>
           </p:nvPr>
         </p:nvSpPr>
-        <p:spPr/>
-        <p:txBody>
-          <a:bodyPr/>
-          <a:lstStyle/>
-          <a:p>
-            <a:r>
-              <a:rPr lang="ru-RU" dirty="0"/>
+        <p:spPr>
+          <a:xfrm>
+            <a:off x="3044141" y="2465933"/>
+            <a:ext cx="6593711" cy="1098395"/>
+          </a:xfrm>
+        </p:spPr>
+        <p:txBody>
+          <a:bodyPr vert="horz" lIns="91440" tIns="45720" rIns="91440" bIns="45720" rtlCol="0" anchor="b">
+            <a:normAutofit/>
+          </a:bodyPr>
+          <a:lstStyle/>
+          <a:p>
+            <a:r>
+              <a:rPr lang="en-US" dirty="0">
+                <a:solidFill>
+                  <a:srgbClr val="FFFFFF"/>
+                </a:solidFill>
+                <a:latin typeface="KTF Jermilov Solid" panose="00000500000000000000" pitchFamily="2" charset="-52"/>
+              </a:rPr>
               <a:t>Проектная работа</a:t>
             </a:r>
           </a:p>
@@ -3385,20 +3523,27 @@
             <p:ph type="subTitle" idx="1"/>
           </p:nvPr>
         </p:nvSpPr>
-        <p:spPr/>
-        <p:txBody>
-          <a:bodyPr/>
-          <a:lstStyle/>
-          <a:p>
-            <a:r>
-              <a:rPr lang="ru-RU" dirty="0"/>
-              <a:t>Приложение на </a:t>
-            </a:r>
-            <a:r>
-              <a:rPr lang="en-US" dirty="0"/>
-              <a:t>Python</a:t>
-            </a:r>
-            <a:endParaRPr lang="ru-RU" dirty="0"/>
+        <p:spPr>
+          <a:xfrm>
+            <a:off x="3397170" y="3754290"/>
+            <a:ext cx="5397660" cy="528343"/>
+          </a:xfrm>
+        </p:spPr>
+        <p:txBody>
+          <a:bodyPr vert="horz" lIns="91440" tIns="45720" rIns="91440" bIns="45720" rtlCol="0">
+            <a:normAutofit/>
+          </a:bodyPr>
+          <a:lstStyle/>
+          <a:p>
+            <a:r>
+              <a:rPr lang="en-US" sz="2800" dirty="0">
+                <a:solidFill>
+                  <a:srgbClr val="FFFFFF"/>
+                </a:solidFill>
+                <a:latin typeface="KTF Jermilov Solid" panose="00000500000000000000" pitchFamily="2" charset="-52"/>
+              </a:rPr>
+              <a:t>Приложение на Python</a:t>
+            </a:r>
           </a:p>
         </p:txBody>
       </p:sp>
@@ -3416,8 +3561,8 @@
         </p:nvSpPr>
         <p:spPr>
           <a:xfrm>
-            <a:off x="289367" y="6065134"/>
-            <a:ext cx="4224760" cy="646331"/>
+            <a:off x="81023" y="6073169"/>
+            <a:ext cx="4224760" cy="784830"/>
           </a:xfrm>
           <a:prstGeom prst="rect">
             <a:avLst/>
@@ -3430,14 +3575,36 @@
           </a:bodyPr>
           <a:lstStyle/>
           <a:p>
-            <a:r>
-              <a:rPr lang="ru-RU" dirty="0"/>
+            <a:pPr>
+              <a:spcAft>
+                <a:spcPts val="600"/>
+              </a:spcAft>
+            </a:pPr>
+            <a:r>
+              <a:rPr lang="ru-RU" sz="2000" dirty="0">
+                <a:solidFill>
+                  <a:schemeClr val="tx1">
+                    <a:lumMod val="75000"/>
+                  </a:schemeClr>
+                </a:solidFill>
+              </a:rPr>
               <a:t>Воронов Никита 10«А»</a:t>
             </a:r>
           </a:p>
           <a:p>
-            <a:r>
-              <a:rPr lang="ru-RU" dirty="0"/>
+            <a:pPr>
+              <a:spcAft>
+                <a:spcPts val="600"/>
+              </a:spcAft>
+            </a:pPr>
+            <a:r>
+              <a:rPr lang="ru-RU" sz="2000" dirty="0">
+                <a:solidFill>
+                  <a:schemeClr val="tx1">
+                    <a:lumMod val="75000"/>
+                  </a:schemeClr>
+                </a:solidFill>
+              </a:rPr>
               <a:t>Школа №1532</a:t>
             </a:r>
           </a:p>
@@ -3451,7 +3618,7 @@
     </p:extLst>
   </p:cSld>
   <p:clrMapOvr>
-    <a:masterClrMapping/>
+    <a:overrideClrMapping bg1="dk1" tx1="lt1" bg2="dk2" tx2="lt2" accent1="accent1" accent2="accent2" accent3="accent3" accent4="accent4" accent5="accent5" accent6="accent6" hlink="hlink" folHlink="folHlink"/>
   </p:clrMapOvr>
 </p:sld>
 </file>
@@ -3495,8 +3662,8 @@
           <a:lstStyle/>
           <a:p>
             <a:r>
-              <a:rPr lang="ru-RU" i="1" dirty="0"/>
-              <a:t>Почему приложение</a:t>
+              <a:rPr lang="ru-RU" dirty="0"/>
+              <a:t>Приложение</a:t>
             </a:r>
           </a:p>
         </p:txBody>
@@ -3517,12 +3684,303 @@
             <p:ph idx="1"/>
           </p:nvPr>
         </p:nvSpPr>
-        <p:spPr/>
-        <p:txBody>
-          <a:bodyPr/>
-          <a:lstStyle/>
-          <a:p>
-            <a:endParaRPr lang="ru-RU"/>
+        <p:spPr>
+          <a:xfrm>
+            <a:off x="838200" y="1825625"/>
+            <a:ext cx="2842549" cy="1901423"/>
+          </a:xfrm>
+        </p:spPr>
+        <p:txBody>
+          <a:bodyPr/>
+          <a:lstStyle/>
+          <a:p>
+            <a:pPr marL="0" indent="0">
+              <a:buNone/>
+            </a:pPr>
+            <a:r>
+              <a:rPr lang="ru-RU" dirty="0"/>
+              <a:t>Плюсы</a:t>
+            </a:r>
+            <a:r>
+              <a:rPr lang="en-US" dirty="0"/>
+              <a:t>:</a:t>
+            </a:r>
+          </a:p>
+          <a:p>
+            <a:pPr marL="914400" lvl="1" indent="-457200">
+              <a:buAutoNum type="arabicPeriod"/>
+            </a:pPr>
+            <a:r>
+              <a:rPr lang="ru-RU" dirty="0"/>
+              <a:t>Удобство</a:t>
+            </a:r>
+          </a:p>
+          <a:p>
+            <a:pPr marL="914400" lvl="1" indent="-457200">
+              <a:buAutoNum type="arabicPeriod"/>
+            </a:pPr>
+            <a:r>
+              <a:rPr lang="ru-RU" dirty="0"/>
+              <a:t>Скорость</a:t>
+            </a:r>
+          </a:p>
+          <a:p>
+            <a:pPr marL="914400" lvl="1" indent="-457200">
+              <a:buAutoNum type="arabicPeriod"/>
+            </a:pPr>
+            <a:r>
+              <a:rPr lang="ru-RU" dirty="0"/>
+              <a:t>Безопасно</a:t>
+            </a:r>
+          </a:p>
+          <a:p>
+            <a:pPr marL="457200" lvl="1" indent="0">
+              <a:buNone/>
+            </a:pPr>
+            <a:endParaRPr lang="ru-RU" dirty="0"/>
+          </a:p>
+          <a:p>
+            <a:pPr marL="457200" lvl="1" indent="0" algn="just">
+              <a:buNone/>
+            </a:pPr>
+            <a:endParaRPr lang="ru-RU" dirty="0"/>
+          </a:p>
+        </p:txBody>
+      </p:sp>
+      <p:sp>
+        <p:nvSpPr>
+          <p:cNvPr id="4" name="Объект 2">
+            <a:extLst>
+              <a:ext uri="{FF2B5EF4-FFF2-40B4-BE49-F238E27FC236}">
+                <a16:creationId xmlns:a16="http://schemas.microsoft.com/office/drawing/2014/main" id="{1EF827A5-9A9F-1F64-E763-A799A17E61C8}"/>
+              </a:ext>
+            </a:extLst>
+          </p:cNvPr>
+          <p:cNvSpPr txBox="1">
+            <a:spLocks/>
+          </p:cNvSpPr>
+          <p:nvPr/>
+        </p:nvSpPr>
+        <p:spPr>
+          <a:xfrm>
+            <a:off x="932727" y="3861985"/>
+            <a:ext cx="2842549" cy="1901423"/>
+          </a:xfrm>
+          <a:prstGeom prst="rect">
+            <a:avLst/>
+          </a:prstGeom>
+        </p:spPr>
+        <p:txBody>
+          <a:bodyPr vert="horz" lIns="91440" tIns="45720" rIns="91440" bIns="45720" rtlCol="0">
+            <a:normAutofit/>
+          </a:bodyPr>
+          <a:lstStyle>
+            <a:lvl1pPr marL="228600" indent="-228600" algn="l" defTabSz="914400" rtl="0" eaLnBrk="1" latinLnBrk="0" hangingPunct="1">
+              <a:lnSpc>
+                <a:spcPct val="90000"/>
+              </a:lnSpc>
+              <a:spcBef>
+                <a:spcPts val="1000"/>
+              </a:spcBef>
+              <a:buFont typeface="Arial" panose="020B0604020202020204" pitchFamily="34" charset="0"/>
+              <a:buChar char="•"/>
+              <a:defRPr sz="2800" kern="1200">
+                <a:solidFill>
+                  <a:schemeClr val="tx1"/>
+                </a:solidFill>
+                <a:latin typeface="+mn-lt"/>
+                <a:ea typeface="+mn-ea"/>
+                <a:cs typeface="+mn-cs"/>
+              </a:defRPr>
+            </a:lvl1pPr>
+            <a:lvl2pPr marL="685800" indent="-228600" algn="l" defTabSz="914400" rtl="0" eaLnBrk="1" latinLnBrk="0" hangingPunct="1">
+              <a:lnSpc>
+                <a:spcPct val="90000"/>
+              </a:lnSpc>
+              <a:spcBef>
+                <a:spcPts val="500"/>
+              </a:spcBef>
+              <a:buFont typeface="Arial" panose="020B0604020202020204" pitchFamily="34" charset="0"/>
+              <a:buChar char="•"/>
+              <a:defRPr sz="2400" kern="1200">
+                <a:solidFill>
+                  <a:schemeClr val="tx1"/>
+                </a:solidFill>
+                <a:latin typeface="+mn-lt"/>
+                <a:ea typeface="+mn-ea"/>
+                <a:cs typeface="+mn-cs"/>
+              </a:defRPr>
+            </a:lvl2pPr>
+            <a:lvl3pPr marL="1143000" indent="-228600" algn="l" defTabSz="914400" rtl="0" eaLnBrk="1" latinLnBrk="0" hangingPunct="1">
+              <a:lnSpc>
+                <a:spcPct val="90000"/>
+              </a:lnSpc>
+              <a:spcBef>
+                <a:spcPts val="500"/>
+              </a:spcBef>
+              <a:buFont typeface="Arial" panose="020B0604020202020204" pitchFamily="34" charset="0"/>
+              <a:buChar char="•"/>
+              <a:defRPr sz="2000" kern="1200">
+                <a:solidFill>
+                  <a:schemeClr val="tx1"/>
+                </a:solidFill>
+                <a:latin typeface="+mn-lt"/>
+                <a:ea typeface="+mn-ea"/>
+                <a:cs typeface="+mn-cs"/>
+              </a:defRPr>
+            </a:lvl3pPr>
+            <a:lvl4pPr marL="1600200" indent="-228600" algn="l" defTabSz="914400" rtl="0" eaLnBrk="1" latinLnBrk="0" hangingPunct="1">
+              <a:lnSpc>
+                <a:spcPct val="90000"/>
+              </a:lnSpc>
+              <a:spcBef>
+                <a:spcPts val="500"/>
+              </a:spcBef>
+              <a:buFont typeface="Arial" panose="020B0604020202020204" pitchFamily="34" charset="0"/>
+              <a:buChar char="•"/>
+              <a:defRPr sz="1800" kern="1200">
+                <a:solidFill>
+                  <a:schemeClr val="tx1"/>
+                </a:solidFill>
+                <a:latin typeface="+mn-lt"/>
+                <a:ea typeface="+mn-ea"/>
+                <a:cs typeface="+mn-cs"/>
+              </a:defRPr>
+            </a:lvl4pPr>
+            <a:lvl5pPr marL="2057400" indent="-228600" algn="l" defTabSz="914400" rtl="0" eaLnBrk="1" latinLnBrk="0" hangingPunct="1">
+              <a:lnSpc>
+                <a:spcPct val="90000"/>
+              </a:lnSpc>
+              <a:spcBef>
+                <a:spcPts val="500"/>
+              </a:spcBef>
+              <a:buFont typeface="Arial" panose="020B0604020202020204" pitchFamily="34" charset="0"/>
+              <a:buChar char="•"/>
+              <a:defRPr sz="1800" kern="1200">
+                <a:solidFill>
+                  <a:schemeClr val="tx1"/>
+                </a:solidFill>
+                <a:latin typeface="+mn-lt"/>
+                <a:ea typeface="+mn-ea"/>
+                <a:cs typeface="+mn-cs"/>
+              </a:defRPr>
+            </a:lvl5pPr>
+            <a:lvl6pPr marL="2514600" indent="-228600" algn="l" defTabSz="914400" rtl="0" eaLnBrk="1" latinLnBrk="0" hangingPunct="1">
+              <a:lnSpc>
+                <a:spcPct val="90000"/>
+              </a:lnSpc>
+              <a:spcBef>
+                <a:spcPts val="500"/>
+              </a:spcBef>
+              <a:buFont typeface="Arial" panose="020B0604020202020204" pitchFamily="34" charset="0"/>
+              <a:buChar char="•"/>
+              <a:defRPr sz="1800" kern="1200">
+                <a:solidFill>
+                  <a:schemeClr val="tx1"/>
+                </a:solidFill>
+                <a:latin typeface="+mn-lt"/>
+                <a:ea typeface="+mn-ea"/>
+                <a:cs typeface="+mn-cs"/>
+              </a:defRPr>
+            </a:lvl6pPr>
+            <a:lvl7pPr marL="2971800" indent="-228600" algn="l" defTabSz="914400" rtl="0" eaLnBrk="1" latinLnBrk="0" hangingPunct="1">
+              <a:lnSpc>
+                <a:spcPct val="90000"/>
+              </a:lnSpc>
+              <a:spcBef>
+                <a:spcPts val="500"/>
+              </a:spcBef>
+              <a:buFont typeface="Arial" panose="020B0604020202020204" pitchFamily="34" charset="0"/>
+              <a:buChar char="•"/>
+              <a:defRPr sz="1800" kern="1200">
+                <a:solidFill>
+                  <a:schemeClr val="tx1"/>
+                </a:solidFill>
+                <a:latin typeface="+mn-lt"/>
+                <a:ea typeface="+mn-ea"/>
+                <a:cs typeface="+mn-cs"/>
+              </a:defRPr>
+            </a:lvl7pPr>
+            <a:lvl8pPr marL="3429000" indent="-228600" algn="l" defTabSz="914400" rtl="0" eaLnBrk="1" latinLnBrk="0" hangingPunct="1">
+              <a:lnSpc>
+                <a:spcPct val="90000"/>
+              </a:lnSpc>
+              <a:spcBef>
+                <a:spcPts val="500"/>
+              </a:spcBef>
+              <a:buFont typeface="Arial" panose="020B0604020202020204" pitchFamily="34" charset="0"/>
+              <a:buChar char="•"/>
+              <a:defRPr sz="1800" kern="1200">
+                <a:solidFill>
+                  <a:schemeClr val="tx1"/>
+                </a:solidFill>
+                <a:latin typeface="+mn-lt"/>
+                <a:ea typeface="+mn-ea"/>
+                <a:cs typeface="+mn-cs"/>
+              </a:defRPr>
+            </a:lvl8pPr>
+            <a:lvl9pPr marL="3886200" indent="-228600" algn="l" defTabSz="914400" rtl="0" eaLnBrk="1" latinLnBrk="0" hangingPunct="1">
+              <a:lnSpc>
+                <a:spcPct val="90000"/>
+              </a:lnSpc>
+              <a:spcBef>
+                <a:spcPts val="500"/>
+              </a:spcBef>
+              <a:buFont typeface="Arial" panose="020B0604020202020204" pitchFamily="34" charset="0"/>
+              <a:buChar char="•"/>
+              <a:defRPr sz="1800" kern="1200">
+                <a:solidFill>
+                  <a:schemeClr val="tx1"/>
+                </a:solidFill>
+                <a:latin typeface="+mn-lt"/>
+                <a:ea typeface="+mn-ea"/>
+                <a:cs typeface="+mn-cs"/>
+              </a:defRPr>
+            </a:lvl9pPr>
+          </a:lstStyle>
+          <a:p>
+            <a:pPr marL="0" indent="0">
+              <a:buFont typeface="Arial" panose="020B0604020202020204" pitchFamily="34" charset="0"/>
+              <a:buNone/>
+            </a:pPr>
+            <a:r>
+              <a:rPr lang="ru-RU" dirty="0"/>
+              <a:t>Минусы</a:t>
+            </a:r>
+            <a:r>
+              <a:rPr lang="en-US" dirty="0"/>
+              <a:t>:</a:t>
+            </a:r>
+          </a:p>
+          <a:p>
+            <a:pPr marL="914400" lvl="1" indent="-457200">
+              <a:buFont typeface="Arial" panose="020B0604020202020204" pitchFamily="34" charset="0"/>
+              <a:buAutoNum type="arabicPeriod"/>
+            </a:pPr>
+            <a:r>
+              <a:rPr lang="ru-RU" dirty="0"/>
+              <a:t>Место на устройстве</a:t>
+            </a:r>
+          </a:p>
+          <a:p>
+            <a:pPr marL="457200" lvl="1" indent="0">
+              <a:buNone/>
+            </a:pPr>
+            <a:endParaRPr lang="ru-RU" dirty="0"/>
+          </a:p>
+          <a:p>
+            <a:pPr marL="457200" lvl="1" indent="0">
+              <a:buFont typeface="Arial" panose="020B0604020202020204" pitchFamily="34" charset="0"/>
+              <a:buNone/>
+            </a:pPr>
+            <a:endParaRPr lang="ru-RU" dirty="0"/>
+          </a:p>
+          <a:p>
+            <a:pPr marL="457200" lvl="1" indent="0" algn="just">
+              <a:buFont typeface="Arial" panose="020B0604020202020204" pitchFamily="34" charset="0"/>
+              <a:buNone/>
+            </a:pPr>
+            <a:endParaRPr lang="ru-RU" dirty="0"/>
           </a:p>
         </p:txBody>
       </p:sp>

--- a/individualProject.pptx
+++ b/individualProject.pptx
@@ -9,7 +9,6 @@
     <p:sldId id="257" r:id="rId3"/>
     <p:sldId id="258" r:id="rId4"/>
     <p:sldId id="259" r:id="rId5"/>
-    <p:sldId id="260" r:id="rId6"/>
   </p:sldIdLst>
   <p:sldSz cx="12192000" cy="6858000"/>
   <p:notesSz cx="6858000" cy="9144000"/>
@@ -274,7 +273,7 @@
           <a:p>
             <a:fld id="{F9A1856B-2DBC-4363-B035-E45B7202283B}" type="datetimeFigureOut">
               <a:rPr lang="ru-RU" smtClean="0"/>
-              <a:t>24.02.2023</a:t>
+              <a:t>27.02.2023</a:t>
             </a:fld>
             <a:endParaRPr lang="ru-RU"/>
           </a:p>
@@ -472,7 +471,7 @@
           <a:p>
             <a:fld id="{F9A1856B-2DBC-4363-B035-E45B7202283B}" type="datetimeFigureOut">
               <a:rPr lang="ru-RU" smtClean="0"/>
-              <a:t>24.02.2023</a:t>
+              <a:t>27.02.2023</a:t>
             </a:fld>
             <a:endParaRPr lang="ru-RU"/>
           </a:p>
@@ -680,7 +679,7 @@
           <a:p>
             <a:fld id="{F9A1856B-2DBC-4363-B035-E45B7202283B}" type="datetimeFigureOut">
               <a:rPr lang="ru-RU" smtClean="0"/>
-              <a:t>24.02.2023</a:t>
+              <a:t>27.02.2023</a:t>
             </a:fld>
             <a:endParaRPr lang="ru-RU"/>
           </a:p>
@@ -878,7 +877,7 @@
           <a:p>
             <a:fld id="{F9A1856B-2DBC-4363-B035-E45B7202283B}" type="datetimeFigureOut">
               <a:rPr lang="ru-RU" smtClean="0"/>
-              <a:t>24.02.2023</a:t>
+              <a:t>27.02.2023</a:t>
             </a:fld>
             <a:endParaRPr lang="ru-RU"/>
           </a:p>
@@ -1153,7 +1152,7 @@
           <a:p>
             <a:fld id="{F9A1856B-2DBC-4363-B035-E45B7202283B}" type="datetimeFigureOut">
               <a:rPr lang="ru-RU" smtClean="0"/>
-              <a:t>24.02.2023</a:t>
+              <a:t>27.02.2023</a:t>
             </a:fld>
             <a:endParaRPr lang="ru-RU"/>
           </a:p>
@@ -1418,7 +1417,7 @@
           <a:p>
             <a:fld id="{F9A1856B-2DBC-4363-B035-E45B7202283B}" type="datetimeFigureOut">
               <a:rPr lang="ru-RU" smtClean="0"/>
-              <a:t>24.02.2023</a:t>
+              <a:t>27.02.2023</a:t>
             </a:fld>
             <a:endParaRPr lang="ru-RU"/>
           </a:p>
@@ -1830,7 +1829,7 @@
           <a:p>
             <a:fld id="{F9A1856B-2DBC-4363-B035-E45B7202283B}" type="datetimeFigureOut">
               <a:rPr lang="ru-RU" smtClean="0"/>
-              <a:t>24.02.2023</a:t>
+              <a:t>27.02.2023</a:t>
             </a:fld>
             <a:endParaRPr lang="ru-RU"/>
           </a:p>
@@ -1971,7 +1970,7 @@
           <a:p>
             <a:fld id="{F9A1856B-2DBC-4363-B035-E45B7202283B}" type="datetimeFigureOut">
               <a:rPr lang="ru-RU" smtClean="0"/>
-              <a:t>24.02.2023</a:t>
+              <a:t>27.02.2023</a:t>
             </a:fld>
             <a:endParaRPr lang="ru-RU"/>
           </a:p>
@@ -2084,7 +2083,7 @@
           <a:p>
             <a:fld id="{F9A1856B-2DBC-4363-B035-E45B7202283B}" type="datetimeFigureOut">
               <a:rPr lang="ru-RU" smtClean="0"/>
-              <a:t>24.02.2023</a:t>
+              <a:t>27.02.2023</a:t>
             </a:fld>
             <a:endParaRPr lang="ru-RU"/>
           </a:p>
@@ -2395,7 +2394,7 @@
           <a:p>
             <a:fld id="{F9A1856B-2DBC-4363-B035-E45B7202283B}" type="datetimeFigureOut">
               <a:rPr lang="ru-RU" smtClean="0"/>
-              <a:t>24.02.2023</a:t>
+              <a:t>27.02.2023</a:t>
             </a:fld>
             <a:endParaRPr lang="ru-RU"/>
           </a:p>
@@ -2683,7 +2682,7 @@
           <a:p>
             <a:fld id="{F9A1856B-2DBC-4363-B035-E45B7202283B}" type="datetimeFigureOut">
               <a:rPr lang="ru-RU" smtClean="0"/>
-              <a:t>24.02.2023</a:t>
+              <a:t>27.02.2023</a:t>
             </a:fld>
             <a:endParaRPr lang="ru-RU"/>
           </a:p>
@@ -2924,7 +2923,7 @@
           <a:p>
             <a:fld id="{F9A1856B-2DBC-4363-B035-E45B7202283B}" type="datetimeFigureOut">
               <a:rPr lang="ru-RU" smtClean="0"/>
-              <a:t>24.02.2023</a:t>
+              <a:t>27.02.2023</a:t>
             </a:fld>
             <a:endParaRPr lang="ru-RU"/>
           </a:p>
@@ -3357,7 +3356,7 @@
                 <a16:creationId xmlns:a16="http://schemas.microsoft.com/office/drawing/2014/main" id="{71B2258F-86CA-4D4D-8270-BC05FCDEBFB3}"/>
               </a:ext>
               <a:ext uri="{C183D7F6-B498-43B3-948B-1728B52AA6E4}">
-                <adec:decorative xmlns:adec="http://schemas.microsoft.com/office/drawing/2017/decorative" val="1"/>
+                <adec:decorative xmlns:adec="http://schemas.microsoft.com/office/drawing/2017/decorative" xmlns="" val="1"/>
               </a:ext>
             </a:extLst>
           </p:cNvPr>
@@ -3491,7 +3490,7 @@
         </p:spPr>
         <p:txBody>
           <a:bodyPr vert="horz" lIns="91440" tIns="45720" rIns="91440" bIns="45720" rtlCol="0" anchor="b">
-            <a:normAutofit/>
+            <a:normAutofit fontScale="90000"/>
           </a:bodyPr>
           <a:lstStyle/>
           <a:p>
@@ -3610,6 +3609,51 @@
           </a:p>
         </p:txBody>
       </p:sp>
+      <p:pic>
+        <p:nvPicPr>
+          <p:cNvPr id="8" name="Рисунок 7"/>
+          <p:cNvPicPr>
+            <a:picLocks noChangeAspect="1"/>
+          </p:cNvPicPr>
+          <p:nvPr/>
+        </p:nvPicPr>
+        <p:blipFill>
+          <a:blip r:embed="rId4" cstate="hqprint">
+            <a:extLst>
+              <a:ext uri="{BEBA8EAE-BF5A-486C-A8C5-ECC9F3942E4B}">
+                <a14:imgProps xmlns:a14="http://schemas.microsoft.com/office/drawing/2010/main">
+                  <a14:imgLayer r:embed="rId5">
+                    <a14:imgEffect>
+                      <a14:sharpenSoften amount="-4000"/>
+                    </a14:imgEffect>
+                    <a14:imgEffect>
+                      <a14:brightnessContrast bright="40000" contrast="-100000"/>
+                    </a14:imgEffect>
+                  </a14:imgLayer>
+                </a14:imgProps>
+              </a:ext>
+              <a:ext uri="{28A0092B-C50C-407E-A947-70E740481C1C}">
+                <a14:useLocalDpi xmlns:a14="http://schemas.microsoft.com/office/drawing/2010/main" val="0"/>
+              </a:ext>
+            </a:extLst>
+          </a:blip>
+          <a:stretch>
+            <a:fillRect/>
+          </a:stretch>
+        </p:blipFill>
+        <p:spPr>
+          <a:xfrm flipH="1">
+            <a:off x="11166262" y="5649702"/>
+            <a:ext cx="866081" cy="846934"/>
+          </a:xfrm>
+          <a:prstGeom prst="rect">
+            <a:avLst/>
+          </a:prstGeom>
+          <a:effectLst>
+            <a:reflection stA="53000" endPos="60000" dist="50800" dir="5400000" sy="-100000" algn="bl" rotWithShape="0"/>
+          </a:effectLst>
+        </p:spPr>
+      </p:pic>
     </p:spTree>
     <p:extLst>
       <p:ext uri="{BB962C8B-B14F-4D97-AF65-F5344CB8AC3E}">
@@ -3620,6 +3664,13 @@
   <p:clrMapOvr>
     <a:overrideClrMapping bg1="dk1" tx1="lt1" bg2="dk2" tx2="lt2" accent1="accent1" accent2="accent2" accent3="accent3" accent4="accent4" accent5="accent5" accent6="accent6" hlink="hlink" folHlink="folHlink"/>
   </p:clrMapOvr>
+  <p:timing>
+    <p:tnLst>
+      <p:par>
+        <p:cTn id="1" dur="indefinite" restart="never" nodeType="tmRoot"/>
+      </p:par>
+    </p:tnLst>
+  </p:timing>
 </p:sld>
 </file>
 
@@ -4154,70 +4205,6 @@
     <p:extLst>
       <p:ext uri="{BB962C8B-B14F-4D97-AF65-F5344CB8AC3E}">
         <p14:creationId xmlns:p14="http://schemas.microsoft.com/office/powerpoint/2010/main" val="134087852"/>
-      </p:ext>
-    </p:extLst>
-  </p:cSld>
-  <p:clrMapOvr>
-    <a:masterClrMapping/>
-  </p:clrMapOvr>
-</p:sld>
-</file>
-
-<file path=ppt/slides/slide5.xml><?xml version="1.0" encoding="utf-8"?>
-<p:sld xmlns:a="http://schemas.openxmlformats.org/drawingml/2006/main" xmlns:r="http://schemas.openxmlformats.org/officeDocument/2006/relationships" xmlns:p="http://schemas.openxmlformats.org/presentationml/2006/main">
-  <p:cSld>
-    <p:spTree>
-      <p:nvGrpSpPr>
-        <p:cNvPr id="1" name=""/>
-        <p:cNvGrpSpPr/>
-        <p:nvPr/>
-      </p:nvGrpSpPr>
-      <p:grpSpPr>
-        <a:xfrm>
-          <a:off x="0" y="0"/>
-          <a:ext cx="0" cy="0"/>
-          <a:chOff x="0" y="0"/>
-          <a:chExt cx="0" cy="0"/>
-        </a:xfrm>
-      </p:grpSpPr>
-      <p:sp>
-        <p:nvSpPr>
-          <p:cNvPr id="2" name="Заголовок 1">
-            <a:extLst>
-              <a:ext uri="{FF2B5EF4-FFF2-40B4-BE49-F238E27FC236}">
-                <a16:creationId xmlns:a16="http://schemas.microsoft.com/office/drawing/2014/main" id="{DE60BF19-9E67-13B9-445A-AE010C2512D7}"/>
-              </a:ext>
-            </a:extLst>
-          </p:cNvPr>
-          <p:cNvSpPr>
-            <a:spLocks noGrp="1"/>
-          </p:cNvSpPr>
-          <p:nvPr>
-            <p:ph type="title"/>
-          </p:nvPr>
-        </p:nvSpPr>
-        <p:spPr>
-          <a:xfrm>
-            <a:off x="838200" y="2766218"/>
-            <a:ext cx="10515600" cy="1325563"/>
-          </a:xfrm>
-        </p:spPr>
-        <p:txBody>
-          <a:bodyPr/>
-          <a:lstStyle/>
-          <a:p>
-            <a:pPr algn="ctr"/>
-            <a:r>
-              <a:rPr lang="ru-RU" dirty="0"/>
-              <a:t>Спасибо за внимание</a:t>
-            </a:r>
-          </a:p>
-        </p:txBody>
-      </p:sp>
-    </p:spTree>
-    <p:extLst>
-      <p:ext uri="{BB962C8B-B14F-4D97-AF65-F5344CB8AC3E}">
-        <p14:creationId xmlns:p14="http://schemas.microsoft.com/office/powerpoint/2010/main" val="1820366751"/>
       </p:ext>
     </p:extLst>
   </p:cSld>

--- a/individualProject.pptx
+++ b/individualProject.pptx
@@ -3356,7 +3356,7 @@
                 <a16:creationId xmlns:a16="http://schemas.microsoft.com/office/drawing/2014/main" id="{71B2258F-86CA-4D4D-8270-BC05FCDEBFB3}"/>
               </a:ext>
               <a:ext uri="{C183D7F6-B498-43B3-948B-1728B52AA6E4}">
-                <adec:decorative xmlns:adec="http://schemas.microsoft.com/office/drawing/2017/decorative" xmlns="" val="1"/>
+                <adec:decorative xmlns:adec="http://schemas.microsoft.com/office/drawing/2017/decorative" val="1"/>
               </a:ext>
             </a:extLst>
           </p:cNvPr>
@@ -3490,7 +3490,7 @@
         </p:spPr>
         <p:txBody>
           <a:bodyPr vert="horz" lIns="91440" tIns="45720" rIns="91440" bIns="45720" rtlCol="0" anchor="b">
-            <a:normAutofit fontScale="90000"/>
+            <a:normAutofit/>
           </a:bodyPr>
           <a:lstStyle/>
           <a:p>
@@ -3664,13 +3664,6 @@
   <p:clrMapOvr>
     <a:overrideClrMapping bg1="dk1" tx1="lt1" bg2="dk2" tx2="lt2" accent1="accent1" accent2="accent2" accent3="accent3" accent4="accent4" accent5="accent5" accent6="accent6" hlink="hlink" folHlink="folHlink"/>
   </p:clrMapOvr>
-  <p:timing>
-    <p:tnLst>
-      <p:par>
-        <p:cTn id="1" dur="indefinite" restart="never" nodeType="tmRoot"/>
-      </p:par>
-    </p:tnLst>
-  </p:timing>
 </p:sld>
 </file>
 
@@ -3691,139 +3684,226 @@
           <a:chExt cx="0" cy="0"/>
         </a:xfrm>
       </p:grpSpPr>
-      <p:sp>
-        <p:nvSpPr>
-          <p:cNvPr id="2" name="Заголовок 1">
-            <a:extLst>
-              <a:ext uri="{FF2B5EF4-FFF2-40B4-BE49-F238E27FC236}">
-                <a16:creationId xmlns:a16="http://schemas.microsoft.com/office/drawing/2014/main" id="{EED2D281-81AC-B52D-159D-81BCE4855602}"/>
-              </a:ext>
-            </a:extLst>
-          </p:cNvPr>
-          <p:cNvSpPr>
-            <a:spLocks noGrp="1"/>
-          </p:cNvSpPr>
-          <p:nvPr>
-            <p:ph type="title"/>
-          </p:nvPr>
-        </p:nvSpPr>
-        <p:spPr/>
-        <p:txBody>
-          <a:bodyPr/>
-          <a:lstStyle/>
-          <a:p>
-            <a:r>
-              <a:rPr lang="ru-RU" dirty="0"/>
-              <a:t>Приложение</a:t>
-            </a:r>
-          </a:p>
-        </p:txBody>
-      </p:sp>
-      <p:sp>
-        <p:nvSpPr>
-          <p:cNvPr id="3" name="Объект 2">
-            <a:extLst>
-              <a:ext uri="{FF2B5EF4-FFF2-40B4-BE49-F238E27FC236}">
-                <a16:creationId xmlns:a16="http://schemas.microsoft.com/office/drawing/2014/main" id="{A30B73FA-FF4C-B369-22EF-3A2D804465F0}"/>
-              </a:ext>
-            </a:extLst>
-          </p:cNvPr>
-          <p:cNvSpPr>
-            <a:spLocks noGrp="1"/>
-          </p:cNvSpPr>
-          <p:nvPr>
-            <p:ph idx="1"/>
-          </p:nvPr>
-        </p:nvSpPr>
+      <p:pic>
+        <p:nvPicPr>
+          <p:cNvPr id="6" name="Рисунок 5">
+            <a:extLst>
+              <a:ext uri="{FF2B5EF4-FFF2-40B4-BE49-F238E27FC236}">
+                <a16:creationId xmlns:a16="http://schemas.microsoft.com/office/drawing/2014/main" id="{7D867F93-2BFF-B88B-EF5A-1A3C90AA4519}"/>
+              </a:ext>
+            </a:extLst>
+          </p:cNvPr>
+          <p:cNvPicPr>
+            <a:picLocks noChangeAspect="1"/>
+          </p:cNvPicPr>
+          <p:nvPr/>
+        </p:nvPicPr>
+        <p:blipFill>
+          <a:blip r:embed="rId2">
+            <a:extLst>
+              <a:ext uri="{28A0092B-C50C-407E-A947-70E740481C1C}">
+                <a14:useLocalDpi xmlns:a14="http://schemas.microsoft.com/office/drawing/2010/main" val="0"/>
+              </a:ext>
+            </a:extLst>
+          </a:blip>
+          <a:stretch>
+            <a:fillRect/>
+          </a:stretch>
+        </p:blipFill>
         <p:spPr>
           <a:xfrm>
-            <a:off x="838200" y="1825625"/>
-            <a:ext cx="2842549" cy="1901423"/>
-          </a:xfrm>
-        </p:spPr>
-        <p:txBody>
-          <a:bodyPr/>
-          <a:lstStyle/>
-          <a:p>
-            <a:pPr marL="0" indent="0">
-              <a:buNone/>
-            </a:pPr>
-            <a:r>
-              <a:rPr lang="ru-RU" dirty="0"/>
-              <a:t>Плюсы</a:t>
-            </a:r>
-            <a:r>
-              <a:rPr lang="en-US" dirty="0"/>
-              <a:t>:</a:t>
-            </a:r>
-          </a:p>
-          <a:p>
-            <a:pPr marL="914400" lvl="1" indent="-457200">
-              <a:buAutoNum type="arabicPeriod"/>
-            </a:pPr>
-            <a:r>
-              <a:rPr lang="ru-RU" dirty="0"/>
-              <a:t>Удобство</a:t>
-            </a:r>
-          </a:p>
-          <a:p>
-            <a:pPr marL="914400" lvl="1" indent="-457200">
-              <a:buAutoNum type="arabicPeriod"/>
-            </a:pPr>
-            <a:r>
-              <a:rPr lang="ru-RU" dirty="0"/>
-              <a:t>Скорость</a:t>
-            </a:r>
-          </a:p>
-          <a:p>
-            <a:pPr marL="914400" lvl="1" indent="-457200">
-              <a:buAutoNum type="arabicPeriod"/>
-            </a:pPr>
-            <a:r>
-              <a:rPr lang="ru-RU" dirty="0"/>
-              <a:t>Безопасно</a:t>
-            </a:r>
-          </a:p>
-          <a:p>
-            <a:pPr marL="457200" lvl="1" indent="0">
-              <a:buNone/>
-            </a:pPr>
-            <a:endParaRPr lang="ru-RU" dirty="0"/>
-          </a:p>
-          <a:p>
-            <a:pPr marL="457200" lvl="1" indent="0" algn="just">
-              <a:buNone/>
-            </a:pPr>
-            <a:endParaRPr lang="ru-RU" dirty="0"/>
-          </a:p>
-        </p:txBody>
-      </p:sp>
-      <p:sp>
-        <p:nvSpPr>
-          <p:cNvPr id="4" name="Объект 2">
-            <a:extLst>
-              <a:ext uri="{FF2B5EF4-FFF2-40B4-BE49-F238E27FC236}">
-                <a16:creationId xmlns:a16="http://schemas.microsoft.com/office/drawing/2014/main" id="{1EF827A5-9A9F-1F64-E763-A799A17E61C8}"/>
-              </a:ext>
-            </a:extLst>
-          </p:cNvPr>
-          <p:cNvSpPr txBox="1">
-            <a:spLocks/>
-          </p:cNvSpPr>
-          <p:nvPr/>
-        </p:nvSpPr>
-        <p:spPr>
-          <a:xfrm>
-            <a:off x="932727" y="3861985"/>
-            <a:ext cx="2842549" cy="1901423"/>
+            <a:off x="0" y="0"/>
+            <a:ext cx="12192000" cy="6858000"/>
           </a:xfrm>
           <a:prstGeom prst="rect">
             <a:avLst/>
           </a:prstGeom>
         </p:spPr>
+      </p:pic>
+      <p:sp>
+        <p:nvSpPr>
+          <p:cNvPr id="2" name="Заголовок 1">
+            <a:extLst>
+              <a:ext uri="{FF2B5EF4-FFF2-40B4-BE49-F238E27FC236}">
+                <a16:creationId xmlns:a16="http://schemas.microsoft.com/office/drawing/2014/main" id="{EED2D281-81AC-B52D-159D-81BCE4855602}"/>
+              </a:ext>
+            </a:extLst>
+          </p:cNvPr>
+          <p:cNvSpPr>
+            <a:spLocks noGrp="1"/>
+          </p:cNvSpPr>
+          <p:nvPr>
+            <p:ph type="title"/>
+          </p:nvPr>
+        </p:nvSpPr>
+        <p:spPr>
+          <a:xfrm>
+            <a:off x="838200" y="365125"/>
+            <a:ext cx="4937567" cy="1325563"/>
+          </a:xfrm>
+        </p:spPr>
+        <p:txBody>
+          <a:bodyPr>
+            <a:normAutofit/>
+          </a:bodyPr>
+          <a:lstStyle/>
+          <a:p>
+            <a:r>
+              <a:rPr lang="ru-RU" sz="6000" dirty="0">
+                <a:solidFill>
+                  <a:schemeClr val="bg1"/>
+                </a:solidFill>
+                <a:latin typeface="KTF Jermilov Solid" panose="00000500000000000000" pitchFamily="2" charset="-52"/>
+              </a:rPr>
+              <a:t>Приложение</a:t>
+            </a:r>
+          </a:p>
+        </p:txBody>
+      </p:sp>
+      <p:sp>
+        <p:nvSpPr>
+          <p:cNvPr id="3" name="Объект 2">
+            <a:extLst>
+              <a:ext uri="{FF2B5EF4-FFF2-40B4-BE49-F238E27FC236}">
+                <a16:creationId xmlns:a16="http://schemas.microsoft.com/office/drawing/2014/main" id="{A30B73FA-FF4C-B369-22EF-3A2D804465F0}"/>
+              </a:ext>
+            </a:extLst>
+          </p:cNvPr>
+          <p:cNvSpPr>
+            <a:spLocks noGrp="1"/>
+          </p:cNvSpPr>
+          <p:nvPr>
+            <p:ph idx="1"/>
+          </p:nvPr>
+        </p:nvSpPr>
+        <p:spPr>
+          <a:xfrm>
+            <a:off x="838200" y="1825625"/>
+            <a:ext cx="3166641" cy="1901423"/>
+          </a:xfrm>
+        </p:spPr>
+        <p:txBody>
+          <a:bodyPr>
+            <a:normAutofit/>
+          </a:bodyPr>
+          <a:lstStyle/>
+          <a:p>
+            <a:pPr marL="0" indent="0">
+              <a:buNone/>
+            </a:pPr>
+            <a:r>
+              <a:rPr lang="ru-RU" dirty="0">
+                <a:solidFill>
+                  <a:schemeClr val="bg1"/>
+                </a:solidFill>
+                <a:latin typeface="KTF Jermilov Solid" panose="00000500000000000000" pitchFamily="2" charset="-52"/>
+                <a:ea typeface="BatangChe" panose="020B0503020000020004" pitchFamily="49" charset="-127"/>
+                <a:cs typeface="Aharoni" panose="02010803020104030203" pitchFamily="2" charset="-79"/>
+              </a:rPr>
+              <a:t>Плюсы</a:t>
+            </a:r>
+            <a:r>
+              <a:rPr lang="en-US" dirty="0">
+                <a:solidFill>
+                  <a:schemeClr val="bg1"/>
+                </a:solidFill>
+                <a:latin typeface="KTF Jermilov Solid" panose="00000500000000000000" pitchFamily="2" charset="-52"/>
+                <a:ea typeface="BatangChe" panose="020B0503020000020004" pitchFamily="49" charset="-127"/>
+                <a:cs typeface="Aharoni" panose="02010803020104030203" pitchFamily="2" charset="-79"/>
+              </a:rPr>
+              <a:t>:</a:t>
+            </a:r>
+          </a:p>
+          <a:p>
+            <a:pPr marL="914400" lvl="1" indent="-457200">
+              <a:buAutoNum type="arabicPeriod"/>
+            </a:pPr>
+            <a:r>
+              <a:rPr lang="ru-RU" dirty="0">
+                <a:solidFill>
+                  <a:schemeClr val="bg1"/>
+                </a:solidFill>
+                <a:latin typeface="KTF Jermilov Solid" panose="00000500000000000000" pitchFamily="2" charset="-52"/>
+                <a:ea typeface="BatangChe" panose="020B0503020000020004" pitchFamily="49" charset="-127"/>
+                <a:cs typeface="Aharoni" panose="02010803020104030203" pitchFamily="2" charset="-79"/>
+              </a:rPr>
+              <a:t>Удобство</a:t>
+            </a:r>
+          </a:p>
+          <a:p>
+            <a:pPr marL="914400" lvl="1" indent="-457200">
+              <a:buAutoNum type="arabicPeriod"/>
+            </a:pPr>
+            <a:r>
+              <a:rPr lang="ru-RU" dirty="0">
+                <a:solidFill>
+                  <a:schemeClr val="bg1"/>
+                </a:solidFill>
+                <a:latin typeface="KTF Jermilov Solid" panose="00000500000000000000" pitchFamily="2" charset="-52"/>
+                <a:ea typeface="BatangChe" panose="020B0503020000020004" pitchFamily="49" charset="-127"/>
+                <a:cs typeface="Aharoni" panose="02010803020104030203" pitchFamily="2" charset="-79"/>
+              </a:rPr>
+              <a:t>Скорость</a:t>
+            </a:r>
+          </a:p>
+          <a:p>
+            <a:pPr marL="914400" lvl="1" indent="-457200">
+              <a:buAutoNum type="arabicPeriod"/>
+            </a:pPr>
+            <a:r>
+              <a:rPr lang="ru-RU" dirty="0">
+                <a:solidFill>
+                  <a:schemeClr val="bg1"/>
+                </a:solidFill>
+                <a:latin typeface="KTF Jermilov Solid" panose="00000500000000000000" pitchFamily="2" charset="-52"/>
+                <a:ea typeface="BatangChe" panose="020B0503020000020004" pitchFamily="49" charset="-127"/>
+                <a:cs typeface="Aharoni" panose="02010803020104030203" pitchFamily="2" charset="-79"/>
+              </a:rPr>
+              <a:t>Безопасность</a:t>
+            </a:r>
+          </a:p>
+          <a:p>
+            <a:pPr marL="457200" lvl="1" indent="0">
+              <a:buNone/>
+            </a:pPr>
+            <a:endParaRPr lang="ru-RU" dirty="0">
+              <a:cs typeface="Aharoni" panose="02010803020104030203" pitchFamily="2" charset="-79"/>
+            </a:endParaRPr>
+          </a:p>
+          <a:p>
+            <a:pPr marL="457200" lvl="1" indent="0" algn="just">
+              <a:buNone/>
+            </a:pPr>
+            <a:endParaRPr lang="ru-RU" dirty="0"/>
+          </a:p>
+        </p:txBody>
+      </p:sp>
+      <p:sp>
+        <p:nvSpPr>
+          <p:cNvPr id="4" name="Объект 2">
+            <a:extLst>
+              <a:ext uri="{FF2B5EF4-FFF2-40B4-BE49-F238E27FC236}">
+                <a16:creationId xmlns:a16="http://schemas.microsoft.com/office/drawing/2014/main" id="{1EF827A5-9A9F-1F64-E763-A799A17E61C8}"/>
+              </a:ext>
+            </a:extLst>
+          </p:cNvPr>
+          <p:cNvSpPr txBox="1">
+            <a:spLocks/>
+          </p:cNvSpPr>
+          <p:nvPr/>
+        </p:nvSpPr>
+        <p:spPr>
+          <a:xfrm>
+            <a:off x="884497" y="4341812"/>
+            <a:ext cx="3456009" cy="1901423"/>
+          </a:xfrm>
+          <a:prstGeom prst="rect">
+            <a:avLst/>
+          </a:prstGeom>
+        </p:spPr>
         <p:txBody>
           <a:bodyPr vert="horz" lIns="91440" tIns="45720" rIns="91440" bIns="45720" rtlCol="0">
-            <a:normAutofit/>
+            <a:normAutofit fontScale="92500"/>
           </a:bodyPr>
           <a:lstStyle>
             <a:lvl1pPr marL="228600" indent="-228600" algn="l" defTabSz="914400" rtl="0" eaLnBrk="1" latinLnBrk="0" hangingPunct="1">
@@ -3995,11 +4075,21 @@
               <a:buNone/>
             </a:pPr>
             <a:r>
-              <a:rPr lang="ru-RU" dirty="0"/>
+              <a:rPr lang="ru-RU" dirty="0">
+                <a:solidFill>
+                  <a:schemeClr val="bg1"/>
+                </a:solidFill>
+                <a:latin typeface="KTF Jermilov Solid" panose="00000500000000000000" pitchFamily="2" charset="-52"/>
+              </a:rPr>
               <a:t>Минусы</a:t>
             </a:r>
             <a:r>
-              <a:rPr lang="en-US" dirty="0"/>
+              <a:rPr lang="en-US" dirty="0">
+                <a:solidFill>
+                  <a:schemeClr val="bg1"/>
+                </a:solidFill>
+                <a:latin typeface="KTF Jermilov Solid" panose="00000500000000000000" pitchFamily="2" charset="-52"/>
+              </a:rPr>
               <a:t>:</a:t>
             </a:r>
           </a:p>
@@ -4009,29 +4099,416 @@
               <a:buAutoNum type="arabicPeriod"/>
             </a:pPr>
             <a:r>
-              <a:rPr lang="ru-RU" dirty="0"/>
+              <a:rPr lang="ru-RU" dirty="0">
+                <a:solidFill>
+                  <a:schemeClr val="bg1"/>
+                </a:solidFill>
+                <a:latin typeface="KTF Jermilov Solid" panose="00000500000000000000" pitchFamily="2" charset="-52"/>
+              </a:rPr>
               <a:t>Место на устройстве</a:t>
             </a:r>
           </a:p>
           <a:p>
+            <a:pPr marL="914400" lvl="1" indent="-457200">
+              <a:buFont typeface="Arial" panose="020B0604020202020204" pitchFamily="34" charset="0"/>
+              <a:buAutoNum type="arabicPeriod"/>
+            </a:pPr>
+            <a:r>
+              <a:rPr lang="ru-RU" dirty="0">
+                <a:solidFill>
+                  <a:schemeClr val="bg1"/>
+                </a:solidFill>
+                <a:latin typeface="KTF Jermilov Solid" panose="00000500000000000000" pitchFamily="2" charset="-52"/>
+              </a:rPr>
+              <a:t>Наличие комплектующих</a:t>
+            </a:r>
+          </a:p>
+          <a:p>
             <a:pPr marL="457200" lvl="1" indent="0">
               <a:buNone/>
             </a:pPr>
-            <a:endParaRPr lang="ru-RU" dirty="0"/>
+            <a:endParaRPr lang="ru-RU" dirty="0">
+              <a:latin typeface="KTF Jermilov Solid" panose="00000500000000000000" pitchFamily="2" charset="-52"/>
+            </a:endParaRPr>
           </a:p>
           <a:p>
             <a:pPr marL="457200" lvl="1" indent="0">
               <a:buFont typeface="Arial" panose="020B0604020202020204" pitchFamily="34" charset="0"/>
               <a:buNone/>
             </a:pPr>
-            <a:endParaRPr lang="ru-RU" dirty="0"/>
+            <a:endParaRPr lang="ru-RU" dirty="0">
+              <a:latin typeface="KTF Jermilov Solid" panose="00000500000000000000" pitchFamily="2" charset="-52"/>
+            </a:endParaRPr>
           </a:p>
           <a:p>
             <a:pPr marL="457200" lvl="1" indent="0" algn="just">
               <a:buFont typeface="Arial" panose="020B0604020202020204" pitchFamily="34" charset="0"/>
               <a:buNone/>
             </a:pPr>
-            <a:endParaRPr lang="ru-RU" dirty="0"/>
+            <a:endParaRPr lang="ru-RU" dirty="0">
+              <a:latin typeface="KTF Jermilov Solid" panose="00000500000000000000" pitchFamily="2" charset="-52"/>
+            </a:endParaRPr>
+          </a:p>
+        </p:txBody>
+      </p:sp>
+      <p:sp>
+        <p:nvSpPr>
+          <p:cNvPr id="7" name="Прямоугольник 6">
+            <a:extLst>
+              <a:ext uri="{FF2B5EF4-FFF2-40B4-BE49-F238E27FC236}">
+                <a16:creationId xmlns:a16="http://schemas.microsoft.com/office/drawing/2014/main" id="{A0D5EE9C-04FF-3C9B-D4A9-31BD9E09EADD}"/>
+              </a:ext>
+            </a:extLst>
+          </p:cNvPr>
+          <p:cNvSpPr/>
+          <p:nvPr/>
+        </p:nvSpPr>
+        <p:spPr>
+          <a:xfrm>
+            <a:off x="838200" y="3780962"/>
+            <a:ext cx="2842549" cy="81023"/>
+          </a:xfrm>
+          <a:prstGeom prst="rect">
+            <a:avLst/>
+          </a:prstGeom>
+          <a:solidFill>
+            <a:schemeClr val="bg1"/>
+          </a:solidFill>
+          <a:ln>
+            <a:noFill/>
+          </a:ln>
+        </p:spPr>
+        <p:style>
+          <a:lnRef idx="2">
+            <a:schemeClr val="accent1">
+              <a:shade val="50000"/>
+            </a:schemeClr>
+          </a:lnRef>
+          <a:fillRef idx="1">
+            <a:schemeClr val="accent1"/>
+          </a:fillRef>
+          <a:effectRef idx="0">
+            <a:schemeClr val="accent1"/>
+          </a:effectRef>
+          <a:fontRef idx="minor">
+            <a:schemeClr val="lt1"/>
+          </a:fontRef>
+        </p:style>
+        <p:txBody>
+          <a:bodyPr rtlCol="0" anchor="ctr"/>
+          <a:lstStyle/>
+          <a:p>
+            <a:pPr algn="ctr"/>
+            <a:endParaRPr lang="ru-RU"/>
+          </a:p>
+        </p:txBody>
+      </p:sp>
+      <p:sp>
+        <p:nvSpPr>
+          <p:cNvPr id="8" name="TextBox 7">
+            <a:extLst>
+              <a:ext uri="{FF2B5EF4-FFF2-40B4-BE49-F238E27FC236}">
+                <a16:creationId xmlns:a16="http://schemas.microsoft.com/office/drawing/2014/main" id="{D8A5FBC4-9D23-43B4-8562-E762A177FE80}"/>
+              </a:ext>
+            </a:extLst>
+          </p:cNvPr>
+          <p:cNvSpPr txBox="1"/>
+          <p:nvPr/>
+        </p:nvSpPr>
+        <p:spPr>
+          <a:xfrm>
+            <a:off x="7454096" y="1206676"/>
+            <a:ext cx="2558005" cy="1569660"/>
+          </a:xfrm>
+          <a:prstGeom prst="rect">
+            <a:avLst/>
+          </a:prstGeom>
+          <a:noFill/>
+        </p:spPr>
+        <p:txBody>
+          <a:bodyPr wrap="square" rtlCol="0">
+            <a:spAutoFit/>
+          </a:bodyPr>
+          <a:lstStyle/>
+          <a:p>
+            <a:r>
+              <a:rPr lang="en-US" sz="9600" dirty="0">
+                <a:solidFill>
+                  <a:schemeClr val="bg1"/>
+                </a:solidFill>
+                <a:latin typeface="KTF Jermilov Solid" panose="00000500000000000000" pitchFamily="2" charset="-52"/>
+              </a:rPr>
+              <a:t>.exe</a:t>
+            </a:r>
+            <a:endParaRPr lang="ru-RU" sz="9600" dirty="0">
+              <a:solidFill>
+                <a:schemeClr val="bg1"/>
+              </a:solidFill>
+              <a:latin typeface="KTF Jermilov Solid" panose="00000500000000000000" pitchFamily="2" charset="-52"/>
+            </a:endParaRPr>
+          </a:p>
+        </p:txBody>
+      </p:sp>
+      <p:sp>
+        <p:nvSpPr>
+          <p:cNvPr id="9" name="TextBox 8">
+            <a:extLst>
+              <a:ext uri="{FF2B5EF4-FFF2-40B4-BE49-F238E27FC236}">
+                <a16:creationId xmlns:a16="http://schemas.microsoft.com/office/drawing/2014/main" id="{0D24F28F-C73E-2008-25A3-6F5AEA9344E2}"/>
+              </a:ext>
+            </a:extLst>
+          </p:cNvPr>
+          <p:cNvSpPr txBox="1"/>
+          <p:nvPr/>
+        </p:nvSpPr>
+        <p:spPr>
+          <a:xfrm>
+            <a:off x="7454095" y="2776336"/>
+            <a:ext cx="2558005" cy="1569660"/>
+          </a:xfrm>
+          <a:prstGeom prst="rect">
+            <a:avLst/>
+          </a:prstGeom>
+          <a:noFill/>
+        </p:spPr>
+        <p:txBody>
+          <a:bodyPr wrap="square" rtlCol="0">
+            <a:spAutoFit/>
+          </a:bodyPr>
+          <a:lstStyle/>
+          <a:p>
+            <a:r>
+              <a:rPr lang="en-US" sz="9600" dirty="0">
+                <a:solidFill>
+                  <a:schemeClr val="tx1">
+                    <a:lumMod val="75000"/>
+                    <a:lumOff val="25000"/>
+                  </a:schemeClr>
+                </a:solidFill>
+                <a:latin typeface="KTF Jermilov Solid" panose="00000500000000000000" pitchFamily="2" charset="-52"/>
+              </a:rPr>
+              <a:t>.apk</a:t>
+            </a:r>
+            <a:endParaRPr lang="ru-RU" sz="9600" dirty="0">
+              <a:solidFill>
+                <a:schemeClr val="tx1">
+                  <a:lumMod val="75000"/>
+                  <a:lumOff val="25000"/>
+                </a:schemeClr>
+              </a:solidFill>
+              <a:latin typeface="KTF Jermilov Solid" panose="00000500000000000000" pitchFamily="2" charset="-52"/>
+            </a:endParaRPr>
+          </a:p>
+        </p:txBody>
+      </p:sp>
+      <p:sp>
+        <p:nvSpPr>
+          <p:cNvPr id="10" name="TextBox 9">
+            <a:extLst>
+              <a:ext uri="{FF2B5EF4-FFF2-40B4-BE49-F238E27FC236}">
+                <a16:creationId xmlns:a16="http://schemas.microsoft.com/office/drawing/2014/main" id="{22C8E700-0D22-E992-4509-8587C7DEBC53}"/>
+              </a:ext>
+            </a:extLst>
+          </p:cNvPr>
+          <p:cNvSpPr txBox="1"/>
+          <p:nvPr/>
+        </p:nvSpPr>
+        <p:spPr>
+          <a:xfrm>
+            <a:off x="7454094" y="4345996"/>
+            <a:ext cx="2842549" cy="1569660"/>
+          </a:xfrm>
+          <a:prstGeom prst="rect">
+            <a:avLst/>
+          </a:prstGeom>
+          <a:noFill/>
+        </p:spPr>
+        <p:txBody>
+          <a:bodyPr wrap="square" rtlCol="0">
+            <a:spAutoFit/>
+          </a:bodyPr>
+          <a:lstStyle/>
+          <a:p>
+            <a:r>
+              <a:rPr lang="ru-RU" sz="9600" dirty="0">
+                <a:solidFill>
+                  <a:srgbClr val="404040"/>
+                </a:solidFill>
+                <a:latin typeface="KTF Jermilov Solid" panose="00000500000000000000" pitchFamily="2" charset="-52"/>
+              </a:rPr>
+              <a:t>.</a:t>
+            </a:r>
+            <a:r>
+              <a:rPr lang="en-US" sz="9600" dirty="0">
+                <a:solidFill>
+                  <a:srgbClr val="404040"/>
+                </a:solidFill>
+                <a:latin typeface="KTF Jermilov Solid" panose="00000500000000000000" pitchFamily="2" charset="-52"/>
+              </a:rPr>
+              <a:t>dmg</a:t>
+            </a:r>
+            <a:endParaRPr lang="ru-RU" sz="9600" dirty="0">
+              <a:solidFill>
+                <a:srgbClr val="404040"/>
+              </a:solidFill>
+              <a:latin typeface="KTF Jermilov Solid" panose="00000500000000000000" pitchFamily="2" charset="-52"/>
+            </a:endParaRPr>
+          </a:p>
+        </p:txBody>
+      </p:sp>
+      <p:sp>
+        <p:nvSpPr>
+          <p:cNvPr id="11" name="TextBox 10">
+            <a:extLst>
+              <a:ext uri="{FF2B5EF4-FFF2-40B4-BE49-F238E27FC236}">
+                <a16:creationId xmlns:a16="http://schemas.microsoft.com/office/drawing/2014/main" id="{B80A03F7-B262-ED53-5D4D-E7801F7656D1}"/>
+              </a:ext>
+            </a:extLst>
+          </p:cNvPr>
+          <p:cNvSpPr txBox="1"/>
+          <p:nvPr/>
+        </p:nvSpPr>
+        <p:spPr>
+          <a:xfrm>
+            <a:off x="10655300" y="1872734"/>
+            <a:ext cx="1397000" cy="369332"/>
+          </a:xfrm>
+          <a:prstGeom prst="rect">
+            <a:avLst/>
+          </a:prstGeom>
+          <a:noFill/>
+        </p:spPr>
+        <p:txBody>
+          <a:bodyPr wrap="square" rtlCol="0">
+            <a:spAutoFit/>
+          </a:bodyPr>
+          <a:lstStyle/>
+          <a:p>
+            <a:r>
+              <a:rPr lang="en-US" dirty="0">
+                <a:solidFill>
+                  <a:schemeClr val="bg2">
+                    <a:lumMod val="10000"/>
+                  </a:schemeClr>
+                </a:solidFill>
+                <a:latin typeface="Arial" panose="020B0604020202020204" pitchFamily="34" charset="0"/>
+                <a:cs typeface="Arial" panose="020B0604020202020204" pitchFamily="34" charset="0"/>
+              </a:rPr>
+              <a:t>windows</a:t>
+            </a:r>
+            <a:endParaRPr lang="ru-RU" dirty="0">
+              <a:solidFill>
+                <a:schemeClr val="bg2">
+                  <a:lumMod val="10000"/>
+                </a:schemeClr>
+              </a:solidFill>
+              <a:latin typeface="Arial" panose="020B0604020202020204" pitchFamily="34" charset="0"/>
+              <a:cs typeface="Arial" panose="020B0604020202020204" pitchFamily="34" charset="0"/>
+            </a:endParaRPr>
+          </a:p>
+        </p:txBody>
+      </p:sp>
+      <p:sp>
+        <p:nvSpPr>
+          <p:cNvPr id="12" name="TextBox 11">
+            <a:extLst>
+              <a:ext uri="{FF2B5EF4-FFF2-40B4-BE49-F238E27FC236}">
+                <a16:creationId xmlns:a16="http://schemas.microsoft.com/office/drawing/2014/main" id="{7505DB64-67BE-63EE-8098-39E708DB6600}"/>
+              </a:ext>
+            </a:extLst>
+          </p:cNvPr>
+          <p:cNvSpPr txBox="1"/>
+          <p:nvPr/>
+        </p:nvSpPr>
+        <p:spPr>
+          <a:xfrm>
+            <a:off x="10655300" y="3284845"/>
+            <a:ext cx="1397000" cy="369332"/>
+          </a:xfrm>
+          <a:prstGeom prst="rect">
+            <a:avLst/>
+          </a:prstGeom>
+          <a:noFill/>
+        </p:spPr>
+        <p:txBody>
+          <a:bodyPr wrap="square" rtlCol="0">
+            <a:spAutoFit/>
+          </a:bodyPr>
+          <a:lstStyle/>
+          <a:p>
+            <a:r>
+              <a:rPr lang="en-US" dirty="0">
+                <a:solidFill>
+                  <a:schemeClr val="bg2">
+                    <a:lumMod val="10000"/>
+                  </a:schemeClr>
+                </a:solidFill>
+                <a:latin typeface="Arial" panose="020B0604020202020204" pitchFamily="34" charset="0"/>
+                <a:cs typeface="Arial" panose="020B0604020202020204" pitchFamily="34" charset="0"/>
+              </a:rPr>
+              <a:t>android</a:t>
+            </a:r>
+            <a:endParaRPr lang="ru-RU" dirty="0">
+              <a:solidFill>
+                <a:schemeClr val="bg2">
+                  <a:lumMod val="10000"/>
+                </a:schemeClr>
+              </a:solidFill>
+              <a:latin typeface="Arial" panose="020B0604020202020204" pitchFamily="34" charset="0"/>
+              <a:cs typeface="Arial" panose="020B0604020202020204" pitchFamily="34" charset="0"/>
+            </a:endParaRPr>
+          </a:p>
+        </p:txBody>
+      </p:sp>
+      <p:sp>
+        <p:nvSpPr>
+          <p:cNvPr id="13" name="TextBox 12">
+            <a:extLst>
+              <a:ext uri="{FF2B5EF4-FFF2-40B4-BE49-F238E27FC236}">
+                <a16:creationId xmlns:a16="http://schemas.microsoft.com/office/drawing/2014/main" id="{4A284ECC-1AF3-1C4F-C366-B4AC8A5671BA}"/>
+              </a:ext>
+            </a:extLst>
+          </p:cNvPr>
+          <p:cNvSpPr txBox="1"/>
+          <p:nvPr/>
+        </p:nvSpPr>
+        <p:spPr>
+          <a:xfrm>
+            <a:off x="10655300" y="4946160"/>
+            <a:ext cx="1397000" cy="369332"/>
+          </a:xfrm>
+          <a:prstGeom prst="rect">
+            <a:avLst/>
+          </a:prstGeom>
+          <a:noFill/>
+        </p:spPr>
+        <p:txBody>
+          <a:bodyPr wrap="square" rtlCol="0">
+            <a:spAutoFit/>
+          </a:bodyPr>
+          <a:lstStyle/>
+          <a:p>
+            <a:r>
+              <a:rPr lang="en-US" dirty="0">
+                <a:solidFill>
+                  <a:schemeClr val="bg2">
+                    <a:lumMod val="10000"/>
+                  </a:schemeClr>
+                </a:solidFill>
+                <a:latin typeface="Arial" panose="020B0604020202020204" pitchFamily="34" charset="0"/>
+                <a:cs typeface="Arial" panose="020B0604020202020204" pitchFamily="34" charset="0"/>
+              </a:rPr>
+              <a:t>macOS</a:t>
+            </a:r>
+            <a:endParaRPr lang="ru-RU" dirty="0">
+              <a:solidFill>
+                <a:schemeClr val="bg2">
+                  <a:lumMod val="10000"/>
+                </a:schemeClr>
+              </a:solidFill>
+              <a:latin typeface="Arial" panose="020B0604020202020204" pitchFamily="34" charset="0"/>
+              <a:cs typeface="Arial" panose="020B0604020202020204" pitchFamily="34" charset="0"/>
+            </a:endParaRPr>
           </a:p>
         </p:txBody>
       </p:sp>
@@ -4045,6 +4522,179 @@
   <p:clrMapOvr>
     <a:masterClrMapping/>
   </p:clrMapOvr>
+  <p:transition>
+    <p:fade/>
+  </p:transition>
+  <p:timing>
+    <p:tnLst>
+      <p:par>
+        <p:cTn id="1" dur="indefinite" restart="never" nodeType="tmRoot">
+          <p:childTnLst>
+            <p:seq concurrent="1" nextAc="seek">
+              <p:cTn id="2" dur="indefinite" nodeType="mainSeq">
+                <p:childTnLst>
+                  <p:par>
+                    <p:cTn id="3" fill="hold">
+                      <p:stCondLst>
+                        <p:cond delay="indefinite"/>
+                      </p:stCondLst>
+                      <p:childTnLst>
+                        <p:par>
+                          <p:cTn id="4" fill="hold">
+                            <p:stCondLst>
+                              <p:cond delay="0"/>
+                            </p:stCondLst>
+                            <p:childTnLst>
+                              <p:par>
+                                <p:cTn id="5" presetID="3" presetClass="emph" presetSubtype="2" fill="hold" grpId="0" nodeType="clickEffect">
+                                  <p:stCondLst>
+                                    <p:cond delay="0"/>
+                                  </p:stCondLst>
+                                  <p:iterate type="lt">
+                                    <p:tmPct val="0"/>
+                                  </p:iterate>
+                                  <p:childTnLst>
+                                    <p:animClr clrSpc="rgb" dir="cw">
+                                      <p:cBhvr override="childStyle">
+                                        <p:cTn id="6" dur="500" fill="hold"/>
+                                        <p:tgtEl>
+                                          <p:spTgt spid="9"/>
+                                        </p:tgtEl>
+                                        <p:attrNameLst>
+                                          <p:attrName>style.color</p:attrName>
+                                        </p:attrNameLst>
+                                      </p:cBhvr>
+                                      <p:to>
+                                        <a:srgbClr val="FFFFFF"/>
+                                      </p:to>
+                                    </p:animClr>
+                                  </p:childTnLst>
+                                </p:cTn>
+                              </p:par>
+                              <p:par>
+                                <p:cTn id="7" presetID="3" presetClass="emph" presetSubtype="2" fill="hold" grpId="0" nodeType="withEffect">
+                                  <p:stCondLst>
+                                    <p:cond delay="0"/>
+                                  </p:stCondLst>
+                                  <p:childTnLst>
+                                    <p:animClr clrSpc="rgb" dir="cw">
+                                      <p:cBhvr override="childStyle">
+                                        <p:cTn id="8" dur="500" fill="hold"/>
+                                        <p:tgtEl>
+                                          <p:spTgt spid="8"/>
+                                        </p:tgtEl>
+                                        <p:attrNameLst>
+                                          <p:attrName>style.color</p:attrName>
+                                        </p:attrNameLst>
+                                      </p:cBhvr>
+                                      <p:to>
+                                        <a:srgbClr val="757070"/>
+                                      </p:to>
+                                    </p:animClr>
+                                  </p:childTnLst>
+                                </p:cTn>
+                              </p:par>
+                            </p:childTnLst>
+                          </p:cTn>
+                        </p:par>
+                      </p:childTnLst>
+                    </p:cTn>
+                  </p:par>
+                  <p:par>
+                    <p:cTn id="9" fill="hold">
+                      <p:stCondLst>
+                        <p:cond delay="indefinite"/>
+                      </p:stCondLst>
+                      <p:childTnLst>
+                        <p:par>
+                          <p:cTn id="10" fill="hold">
+                            <p:stCondLst>
+                              <p:cond delay="0"/>
+                            </p:stCondLst>
+                            <p:childTnLst>
+                              <p:par>
+                                <p:cTn id="11" presetID="3" presetClass="emph" presetSubtype="2" fill="hold" grpId="1" nodeType="clickEffect">
+                                  <p:stCondLst>
+                                    <p:cond delay="0"/>
+                                  </p:stCondLst>
+                                  <p:iterate type="lt">
+                                    <p:tmPct val="0"/>
+                                  </p:iterate>
+                                  <p:childTnLst>
+                                    <p:animClr clrSpc="rgb" dir="cw">
+                                      <p:cBhvr override="childStyle">
+                                        <p:cTn id="12" dur="500" fill="hold"/>
+                                        <p:tgtEl>
+                                          <p:spTgt spid="9"/>
+                                        </p:tgtEl>
+                                        <p:attrNameLst>
+                                          <p:attrName>style.color</p:attrName>
+                                        </p:attrNameLst>
+                                      </p:cBhvr>
+                                      <p:to>
+                                        <a:srgbClr val="7F7F7F"/>
+                                      </p:to>
+                                    </p:animClr>
+                                  </p:childTnLst>
+                                </p:cTn>
+                              </p:par>
+                              <p:par>
+                                <p:cTn id="13" presetID="3" presetClass="emph" presetSubtype="2" fill="hold" grpId="0" nodeType="withEffect">
+                                  <p:stCondLst>
+                                    <p:cond delay="0"/>
+                                  </p:stCondLst>
+                                  <p:childTnLst>
+                                    <p:animClr clrSpc="rgb" dir="cw">
+                                      <p:cBhvr override="childStyle">
+                                        <p:cTn id="14" dur="500" fill="hold"/>
+                                        <p:tgtEl>
+                                          <p:spTgt spid="10"/>
+                                        </p:tgtEl>
+                                        <p:attrNameLst>
+                                          <p:attrName>style.color</p:attrName>
+                                        </p:attrNameLst>
+                                      </p:cBhvr>
+                                      <p:to>
+                                        <a:srgbClr val="FFFFFF"/>
+                                      </p:to>
+                                    </p:animClr>
+                                  </p:childTnLst>
+                                </p:cTn>
+                              </p:par>
+                            </p:childTnLst>
+                          </p:cTn>
+                        </p:par>
+                      </p:childTnLst>
+                    </p:cTn>
+                  </p:par>
+                </p:childTnLst>
+              </p:cTn>
+              <p:prevCondLst>
+                <p:cond evt="onPrev" delay="0">
+                  <p:tgtEl>
+                    <p:sldTgt/>
+                  </p:tgtEl>
+                </p:cond>
+              </p:prevCondLst>
+              <p:nextCondLst>
+                <p:cond evt="onNext" delay="0">
+                  <p:tgtEl>
+                    <p:sldTgt/>
+                  </p:tgtEl>
+                </p:cond>
+              </p:nextCondLst>
+            </p:seq>
+          </p:childTnLst>
+        </p:cTn>
+      </p:par>
+    </p:tnLst>
+    <p:bldLst>
+      <p:bldP spid="8" grpId="0"/>
+      <p:bldP spid="9" grpId="0"/>
+      <p:bldP spid="9" grpId="1"/>
+      <p:bldP spid="10" grpId="0"/>
+    </p:bldLst>
+  </p:timing>
 </p:sld>
 </file>
 
@@ -4065,6 +4715,41 @@
           <a:chExt cx="0" cy="0"/>
         </a:xfrm>
       </p:grpSpPr>
+      <p:pic>
+        <p:nvPicPr>
+          <p:cNvPr id="5" name="Объект 4">
+            <a:extLst>
+              <a:ext uri="{FF2B5EF4-FFF2-40B4-BE49-F238E27FC236}">
+                <a16:creationId xmlns:a16="http://schemas.microsoft.com/office/drawing/2014/main" id="{812B9133-032D-212C-B1AC-F4FF0695A91B}"/>
+              </a:ext>
+            </a:extLst>
+          </p:cNvPr>
+          <p:cNvPicPr>
+            <a:picLocks noGrp="1" noChangeAspect="1"/>
+          </p:cNvPicPr>
+          <p:nvPr>
+            <p:ph idx="1"/>
+          </p:nvPr>
+        </p:nvPicPr>
+        <p:blipFill>
+          <a:blip r:embed="rId2">
+            <a:extLst>
+              <a:ext uri="{28A0092B-C50C-407E-A947-70E740481C1C}">
+                <a14:useLocalDpi xmlns:a14="http://schemas.microsoft.com/office/drawing/2010/main" val="0"/>
+              </a:ext>
+            </a:extLst>
+          </a:blip>
+          <a:stretch>
+            <a:fillRect/>
+          </a:stretch>
+        </p:blipFill>
+        <p:spPr>
+          <a:xfrm>
+            <a:off x="-1" y="1"/>
+            <a:ext cx="12192001" cy="6858000"/>
+          </a:xfrm>
+        </p:spPr>
+      </p:pic>
       <p:sp>
         <p:nvSpPr>
           <p:cNvPr id="2" name="Заголовок 1">
@@ -4083,41 +4768,68 @@
         </p:nvSpPr>
         <p:spPr/>
         <p:txBody>
-          <a:bodyPr/>
-          <a:lstStyle/>
-          <a:p>
-            <a:r>
-              <a:rPr lang="ru-RU" i="1" dirty="0"/>
-              <a:t>Как приложение</a:t>
-            </a:r>
-          </a:p>
-        </p:txBody>
-      </p:sp>
-      <p:sp>
-        <p:nvSpPr>
-          <p:cNvPr id="3" name="Объект 2">
-            <a:extLst>
-              <a:ext uri="{FF2B5EF4-FFF2-40B4-BE49-F238E27FC236}">
-                <a16:creationId xmlns:a16="http://schemas.microsoft.com/office/drawing/2014/main" id="{A5C92354-57ED-BCFA-5CD8-FBE4DAC1858F}"/>
-              </a:ext>
-            </a:extLst>
-          </p:cNvPr>
-          <p:cNvSpPr>
-            <a:spLocks noGrp="1"/>
-          </p:cNvSpPr>
-          <p:nvPr>
-            <p:ph idx="1"/>
-          </p:nvPr>
-        </p:nvSpPr>
-        <p:spPr/>
-        <p:txBody>
-          <a:bodyPr/>
-          <a:lstStyle/>
-          <a:p>
-            <a:endParaRPr lang="ru-RU"/>
-          </a:p>
-        </p:txBody>
-      </p:sp>
+          <a:bodyPr>
+            <a:normAutofit/>
+          </a:bodyPr>
+          <a:lstStyle/>
+          <a:p>
+            <a:r>
+              <a:rPr lang="en-US" sz="7200" dirty="0">
+                <a:solidFill>
+                  <a:schemeClr val="bg1"/>
+                </a:solidFill>
+                <a:latin typeface="KTF Jermilov Solid" panose="00000500000000000000" pitchFamily="2" charset="-52"/>
+              </a:rPr>
+              <a:t>Pyqt5</a:t>
+            </a:r>
+            <a:endParaRPr lang="ru-RU" sz="7200" dirty="0">
+              <a:solidFill>
+                <a:schemeClr val="bg1"/>
+              </a:solidFill>
+              <a:latin typeface="KTF Jermilov Solid" panose="00000500000000000000" pitchFamily="2" charset="-52"/>
+            </a:endParaRPr>
+          </a:p>
+        </p:txBody>
+      </p:sp>
+      <p:pic>
+        <p:nvPicPr>
+          <p:cNvPr id="7" name="Рисунок 6">
+            <a:extLst>
+              <a:ext uri="{FF2B5EF4-FFF2-40B4-BE49-F238E27FC236}">
+                <a16:creationId xmlns:a16="http://schemas.microsoft.com/office/drawing/2014/main" id="{26760056-2B03-AACB-D8F8-1EF9E5661A6D}"/>
+              </a:ext>
+            </a:extLst>
+          </p:cNvPr>
+          <p:cNvPicPr>
+            <a:picLocks noChangeAspect="1"/>
+          </p:cNvPicPr>
+          <p:nvPr/>
+        </p:nvPicPr>
+        <p:blipFill>
+          <a:blip r:embed="rId3">
+            <a:extLst>
+              <a:ext uri="{28A0092B-C50C-407E-A947-70E740481C1C}">
+                <a14:useLocalDpi xmlns:a14="http://schemas.microsoft.com/office/drawing/2010/main" val="0"/>
+              </a:ext>
+              <a:ext uri="{96DAC541-7B7A-43D3-8B79-37D633B846F1}">
+                <asvg:svgBlip xmlns:asvg="http://schemas.microsoft.com/office/drawing/2016/SVG/main" r:embed="rId4"/>
+              </a:ext>
+            </a:extLst>
+          </a:blip>
+          <a:stretch>
+            <a:fillRect/>
+          </a:stretch>
+        </p:blipFill>
+        <p:spPr>
+          <a:xfrm>
+            <a:off x="3469871" y="365125"/>
+            <a:ext cx="1325564" cy="1325564"/>
+          </a:xfrm>
+          <a:prstGeom prst="rect">
+            <a:avLst/>
+          </a:prstGeom>
+        </p:spPr>
+      </p:pic>
     </p:spTree>
     <p:extLst>
       <p:ext uri="{BB962C8B-B14F-4D97-AF65-F5344CB8AC3E}">
@@ -4128,6 +4840,9 @@
   <p:clrMapOvr>
     <a:masterClrMapping/>
   </p:clrMapOvr>
+  <p:transition>
+    <p:wipe/>
+  </p:transition>
 </p:sld>
 </file>
 

--- a/individualProject.pptx
+++ b/individualProject.pptx
@@ -273,7 +273,7 @@
           <a:p>
             <a:fld id="{F9A1856B-2DBC-4363-B035-E45B7202283B}" type="datetimeFigureOut">
               <a:rPr lang="ru-RU" smtClean="0"/>
-              <a:t>27.02.2023</a:t>
+              <a:t>28.02.2023</a:t>
             </a:fld>
             <a:endParaRPr lang="ru-RU"/>
           </a:p>
@@ -471,7 +471,7 @@
           <a:p>
             <a:fld id="{F9A1856B-2DBC-4363-B035-E45B7202283B}" type="datetimeFigureOut">
               <a:rPr lang="ru-RU" smtClean="0"/>
-              <a:t>27.02.2023</a:t>
+              <a:t>28.02.2023</a:t>
             </a:fld>
             <a:endParaRPr lang="ru-RU"/>
           </a:p>
@@ -679,7 +679,7 @@
           <a:p>
             <a:fld id="{F9A1856B-2DBC-4363-B035-E45B7202283B}" type="datetimeFigureOut">
               <a:rPr lang="ru-RU" smtClean="0"/>
-              <a:t>27.02.2023</a:t>
+              <a:t>28.02.2023</a:t>
             </a:fld>
             <a:endParaRPr lang="ru-RU"/>
           </a:p>
@@ -877,7 +877,7 @@
           <a:p>
             <a:fld id="{F9A1856B-2DBC-4363-B035-E45B7202283B}" type="datetimeFigureOut">
               <a:rPr lang="ru-RU" smtClean="0"/>
-              <a:t>27.02.2023</a:t>
+              <a:t>28.02.2023</a:t>
             </a:fld>
             <a:endParaRPr lang="ru-RU"/>
           </a:p>
@@ -1152,7 +1152,7 @@
           <a:p>
             <a:fld id="{F9A1856B-2DBC-4363-B035-E45B7202283B}" type="datetimeFigureOut">
               <a:rPr lang="ru-RU" smtClean="0"/>
-              <a:t>27.02.2023</a:t>
+              <a:t>28.02.2023</a:t>
             </a:fld>
             <a:endParaRPr lang="ru-RU"/>
           </a:p>
@@ -1417,7 +1417,7 @@
           <a:p>
             <a:fld id="{F9A1856B-2DBC-4363-B035-E45B7202283B}" type="datetimeFigureOut">
               <a:rPr lang="ru-RU" smtClean="0"/>
-              <a:t>27.02.2023</a:t>
+              <a:t>28.02.2023</a:t>
             </a:fld>
             <a:endParaRPr lang="ru-RU"/>
           </a:p>
@@ -1829,7 +1829,7 @@
           <a:p>
             <a:fld id="{F9A1856B-2DBC-4363-B035-E45B7202283B}" type="datetimeFigureOut">
               <a:rPr lang="ru-RU" smtClean="0"/>
-              <a:t>27.02.2023</a:t>
+              <a:t>28.02.2023</a:t>
             </a:fld>
             <a:endParaRPr lang="ru-RU"/>
           </a:p>
@@ -1970,7 +1970,7 @@
           <a:p>
             <a:fld id="{F9A1856B-2DBC-4363-B035-E45B7202283B}" type="datetimeFigureOut">
               <a:rPr lang="ru-RU" smtClean="0"/>
-              <a:t>27.02.2023</a:t>
+              <a:t>28.02.2023</a:t>
             </a:fld>
             <a:endParaRPr lang="ru-RU"/>
           </a:p>
@@ -2083,7 +2083,7 @@
           <a:p>
             <a:fld id="{F9A1856B-2DBC-4363-B035-E45B7202283B}" type="datetimeFigureOut">
               <a:rPr lang="ru-RU" smtClean="0"/>
-              <a:t>27.02.2023</a:t>
+              <a:t>28.02.2023</a:t>
             </a:fld>
             <a:endParaRPr lang="ru-RU"/>
           </a:p>
@@ -2394,7 +2394,7 @@
           <a:p>
             <a:fld id="{F9A1856B-2DBC-4363-B035-E45B7202283B}" type="datetimeFigureOut">
               <a:rPr lang="ru-RU" smtClean="0"/>
-              <a:t>27.02.2023</a:t>
+              <a:t>28.02.2023</a:t>
             </a:fld>
             <a:endParaRPr lang="ru-RU"/>
           </a:p>
@@ -2682,7 +2682,7 @@
           <a:p>
             <a:fld id="{F9A1856B-2DBC-4363-B035-E45B7202283B}" type="datetimeFigureOut">
               <a:rPr lang="ru-RU" smtClean="0"/>
-              <a:t>27.02.2023</a:t>
+              <a:t>28.02.2023</a:t>
             </a:fld>
             <a:endParaRPr lang="ru-RU"/>
           </a:p>
@@ -2923,7 +2923,7 @@
           <a:p>
             <a:fld id="{F9A1856B-2DBC-4363-B035-E45B7202283B}" type="datetimeFigureOut">
               <a:rPr lang="ru-RU" smtClean="0"/>
-              <a:t>27.02.2023</a:t>
+              <a:t>28.02.2023</a:t>
             </a:fld>
             <a:endParaRPr lang="ru-RU"/>
           </a:p>
@@ -4830,6 +4830,68 @@
           </a:prstGeom>
         </p:spPr>
       </p:pic>
+      <p:sp>
+        <p:nvSpPr>
+          <p:cNvPr id="3" name="TextBox 2">
+            <a:extLst>
+              <a:ext uri="{FF2B5EF4-FFF2-40B4-BE49-F238E27FC236}">
+                <a16:creationId xmlns:a16="http://schemas.microsoft.com/office/drawing/2014/main" id="{91F5243D-9362-F08D-EC1F-D76BF26EBED9}"/>
+              </a:ext>
+            </a:extLst>
+          </p:cNvPr>
+          <p:cNvSpPr txBox="1"/>
+          <p:nvPr/>
+        </p:nvSpPr>
+        <p:spPr>
+          <a:xfrm>
+            <a:off x="3553428" y="2812648"/>
+            <a:ext cx="7303626" cy="2031325"/>
+          </a:xfrm>
+          <a:prstGeom prst="rect">
+            <a:avLst/>
+          </a:prstGeom>
+          <a:noFill/>
+        </p:spPr>
+        <p:txBody>
+          <a:bodyPr wrap="square" rtlCol="0">
+            <a:spAutoFit/>
+          </a:bodyPr>
+          <a:lstStyle/>
+          <a:p>
+            <a:r>
+              <a:rPr lang="ru-RU" sz="3600" dirty="0">
+                <a:solidFill>
+                  <a:srgbClr val="FF0000"/>
+                </a:solidFill>
+              </a:rPr>
+              <a:t>Рассказать об преимуществах </a:t>
+            </a:r>
+          </a:p>
+          <a:p>
+            <a:r>
+              <a:rPr lang="ru-RU" sz="3600" dirty="0">
+                <a:solidFill>
+                  <a:srgbClr val="FF0000"/>
+                </a:solidFill>
+              </a:rPr>
+              <a:t>Для кого может быть полезно</a:t>
+            </a:r>
+          </a:p>
+          <a:p>
+            <a:r>
+              <a:rPr lang="ru-RU" sz="3600" dirty="0">
+                <a:solidFill>
+                  <a:srgbClr val="FF0000"/>
+                </a:solidFill>
+              </a:rPr>
+              <a:t>Актуальность темы</a:t>
+            </a:r>
+          </a:p>
+          <a:p>
+            <a:endParaRPr lang="ru-RU" dirty="0"/>
+          </a:p>
+        </p:txBody>
+      </p:sp>
     </p:spTree>
     <p:extLst>
       <p:ext uri="{BB962C8B-B14F-4D97-AF65-F5344CB8AC3E}">

--- a/individualProject.pptx
+++ b/individualProject.pptx
@@ -3356,7 +3356,7 @@
                 <a16:creationId xmlns:a16="http://schemas.microsoft.com/office/drawing/2014/main" id="{71B2258F-86CA-4D4D-8270-BC05FCDEBFB3}"/>
               </a:ext>
               <a:ext uri="{C183D7F6-B498-43B3-948B-1728B52AA6E4}">
-                <adec:decorative xmlns:adec="http://schemas.microsoft.com/office/drawing/2017/decorative" val="1"/>
+                <adec:decorative xmlns:adec="http://schemas.microsoft.com/office/drawing/2017/decorative" xmlns="" val="1"/>
               </a:ext>
             </a:extLst>
           </p:cNvPr>
@@ -3490,7 +3490,7 @@
         </p:spPr>
         <p:txBody>
           <a:bodyPr vert="horz" lIns="91440" tIns="45720" rIns="91440" bIns="45720" rtlCol="0" anchor="b">
-            <a:normAutofit/>
+            <a:normAutofit fontScale="90000"/>
           </a:bodyPr>
           <a:lstStyle/>
           <a:p>
@@ -3664,6 +3664,13 @@
   <p:clrMapOvr>
     <a:overrideClrMapping bg1="dk1" tx1="lt1" bg2="dk2" tx2="lt2" accent1="accent1" accent2="accent2" accent3="accent3" accent4="accent4" accent5="accent5" accent6="accent6" hlink="hlink" folHlink="folHlink"/>
   </p:clrMapOvr>
+  <p:timing>
+    <p:tnLst>
+      <p:par>
+        <p:cTn id="1" dur="indefinite" restart="never" nodeType="tmRoot"/>
+      </p:par>
+    </p:tnLst>
+  </p:timing>
 </p:sld>
 </file>
 
@@ -3779,7 +3786,7 @@
         <p:spPr>
           <a:xfrm>
             <a:off x="838200" y="1825625"/>
-            <a:ext cx="3166641" cy="1901423"/>
+            <a:ext cx="3502306" cy="1901423"/>
           </a:xfrm>
         </p:spPr>
         <p:txBody>
@@ -4217,8 +4224,8 @@
         </p:nvSpPr>
         <p:spPr>
           <a:xfrm>
-            <a:off x="7454096" y="1206676"/>
-            <a:ext cx="2558005" cy="1569660"/>
+            <a:off x="7294162" y="1206676"/>
+            <a:ext cx="3190387" cy="1569660"/>
           </a:xfrm>
           <a:prstGeom prst="rect">
             <a:avLst/>
@@ -4264,7 +4271,7 @@
         <p:spPr>
           <a:xfrm>
             <a:off x="7454095" y="2776336"/>
-            <a:ext cx="2558005" cy="1569660"/>
+            <a:ext cx="3201205" cy="1569660"/>
           </a:xfrm>
           <a:prstGeom prst="rect">
             <a:avLst/>
@@ -4316,7 +4323,7 @@
         <p:spPr>
           <a:xfrm>
             <a:off x="7454094" y="4345996"/>
-            <a:ext cx="2842549" cy="1569660"/>
+            <a:ext cx="3201206" cy="1569660"/>
           </a:xfrm>
           <a:prstGeom prst="rect">
             <a:avLst/>
@@ -4812,7 +4819,7 @@
                 <a14:useLocalDpi xmlns:a14="http://schemas.microsoft.com/office/drawing/2010/main" val="0"/>
               </a:ext>
               <a:ext uri="{96DAC541-7B7A-43D3-8B79-37D633B846F1}">
-                <asvg:svgBlip xmlns:asvg="http://schemas.microsoft.com/office/drawing/2016/SVG/main" r:embed="rId4"/>
+                <asvg:svgBlip xmlns:asvg="http://schemas.microsoft.com/office/drawing/2016/SVG/main" xmlns="" r:embed="rId4"/>
               </a:ext>
             </a:extLst>
           </a:blip>
@@ -4905,6 +4912,13 @@
   <p:transition>
     <p:wipe/>
   </p:transition>
+  <p:timing>
+    <p:tnLst>
+      <p:par>
+        <p:cTn id="1" dur="indefinite" restart="never" nodeType="tmRoot"/>
+      </p:par>
+    </p:tnLst>
+  </p:timing>
 </p:sld>
 </file>
 
